--- a/[presentation/[4]XMLHttpRequest.pptx
+++ b/[presentation/[4]XMLHttpRequest.pptx
@@ -203,7 +203,7 @@
           <a:p>
             <a:fld id="{846DF63A-6DEE-48D8-8BE9-099E5948A2A7}" type="datetimeFigureOut">
               <a:rPr lang="zh-CN" altLang="en-US" smtClean="0"/>
-              <a:t>2014/12/8</a:t>
+              <a:t>2014/12/9</a:t>
             </a:fld>
             <a:endParaRPr lang="zh-CN" altLang="en-US"/>
           </a:p>
@@ -624,6 +624,10 @@
           <a:bodyPr/>
           <a:lstStyle/>
           <a:p>
+            <a:r>
+              <a:rPr lang="en-US" altLang="zh-CN" dirty="0" smtClean="0"/>
+              <a:t>http://www.w3.org/TR/file-upload/</a:t>
+            </a:r>
             <a:endParaRPr lang="zh-CN" altLang="en-US" dirty="0"/>
           </a:p>
         </p:txBody>
@@ -933,7 +937,7 @@
           <a:p>
             <a:fld id="{530820CF-B880-4189-942D-D702A7CBA730}" type="datetimeFigureOut">
               <a:rPr lang="zh-CN" altLang="en-US" smtClean="0"/>
-              <a:t>2014/12/8</a:t>
+              <a:t>2014/12/9</a:t>
             </a:fld>
             <a:endParaRPr lang="zh-CN" altLang="en-US"/>
           </a:p>
@@ -1098,7 +1102,7 @@
           <a:p>
             <a:fld id="{530820CF-B880-4189-942D-D702A7CBA730}" type="datetimeFigureOut">
               <a:rPr lang="zh-CN" altLang="en-US" smtClean="0"/>
-              <a:t>2014/12/8</a:t>
+              <a:t>2014/12/9</a:t>
             </a:fld>
             <a:endParaRPr lang="zh-CN" altLang="en-US"/>
           </a:p>
@@ -1273,7 +1277,7 @@
           <a:p>
             <a:fld id="{530820CF-B880-4189-942D-D702A7CBA730}" type="datetimeFigureOut">
               <a:rPr lang="zh-CN" altLang="en-US" smtClean="0"/>
-              <a:t>2014/12/8</a:t>
+              <a:t>2014/12/9</a:t>
             </a:fld>
             <a:endParaRPr lang="zh-CN" altLang="en-US"/>
           </a:p>
@@ -1438,7 +1442,7 @@
           <a:p>
             <a:fld id="{530820CF-B880-4189-942D-D702A7CBA730}" type="datetimeFigureOut">
               <a:rPr lang="zh-CN" altLang="en-US" smtClean="0"/>
-              <a:t>2014/12/8</a:t>
+              <a:t>2014/12/9</a:t>
             </a:fld>
             <a:endParaRPr lang="zh-CN" altLang="en-US"/>
           </a:p>
@@ -1679,7 +1683,7 @@
           <a:p>
             <a:fld id="{530820CF-B880-4189-942D-D702A7CBA730}" type="datetimeFigureOut">
               <a:rPr lang="zh-CN" altLang="en-US" smtClean="0"/>
-              <a:t>2014/12/8</a:t>
+              <a:t>2014/12/9</a:t>
             </a:fld>
             <a:endParaRPr lang="zh-CN" altLang="en-US"/>
           </a:p>
@@ -1962,7 +1966,7 @@
           <a:p>
             <a:fld id="{530820CF-B880-4189-942D-D702A7CBA730}" type="datetimeFigureOut">
               <a:rPr lang="zh-CN" altLang="en-US" smtClean="0"/>
-              <a:t>2014/12/8</a:t>
+              <a:t>2014/12/9</a:t>
             </a:fld>
             <a:endParaRPr lang="zh-CN" altLang="en-US"/>
           </a:p>
@@ -2379,7 +2383,7 @@
           <a:p>
             <a:fld id="{530820CF-B880-4189-942D-D702A7CBA730}" type="datetimeFigureOut">
               <a:rPr lang="zh-CN" altLang="en-US" smtClean="0"/>
-              <a:t>2014/12/8</a:t>
+              <a:t>2014/12/9</a:t>
             </a:fld>
             <a:endParaRPr lang="zh-CN" altLang="en-US"/>
           </a:p>
@@ -2492,7 +2496,7 @@
           <a:p>
             <a:fld id="{530820CF-B880-4189-942D-D702A7CBA730}" type="datetimeFigureOut">
               <a:rPr lang="zh-CN" altLang="en-US" smtClean="0"/>
-              <a:t>2014/12/8</a:t>
+              <a:t>2014/12/9</a:t>
             </a:fld>
             <a:endParaRPr lang="zh-CN" altLang="en-US"/>
           </a:p>
@@ -2582,7 +2586,7 @@
           <a:p>
             <a:fld id="{530820CF-B880-4189-942D-D702A7CBA730}" type="datetimeFigureOut">
               <a:rPr lang="zh-CN" altLang="en-US" smtClean="0"/>
-              <a:t>2014/12/8</a:t>
+              <a:t>2014/12/9</a:t>
             </a:fld>
             <a:endParaRPr lang="zh-CN" altLang="en-US"/>
           </a:p>
@@ -2854,7 +2858,7 @@
           <a:p>
             <a:fld id="{530820CF-B880-4189-942D-D702A7CBA730}" type="datetimeFigureOut">
               <a:rPr lang="zh-CN" altLang="en-US" smtClean="0"/>
-              <a:t>2014/12/8</a:t>
+              <a:t>2014/12/9</a:t>
             </a:fld>
             <a:endParaRPr lang="zh-CN" altLang="en-US"/>
           </a:p>
@@ -3102,7 +3106,7 @@
           <a:p>
             <a:fld id="{530820CF-B880-4189-942D-D702A7CBA730}" type="datetimeFigureOut">
               <a:rPr lang="zh-CN" altLang="en-US" smtClean="0"/>
-              <a:t>2014/12/8</a:t>
+              <a:t>2014/12/9</a:t>
             </a:fld>
             <a:endParaRPr lang="zh-CN" altLang="en-US"/>
           </a:p>
@@ -3310,7 +3314,7 @@
           <a:p>
             <a:fld id="{530820CF-B880-4189-942D-D702A7CBA730}" type="datetimeFigureOut">
               <a:rPr lang="zh-CN" altLang="en-US" smtClean="0"/>
-              <a:t>2014/12/8</a:t>
+              <a:t>2014/12/9</a:t>
             </a:fld>
             <a:endParaRPr lang="zh-CN" altLang="en-US"/>
           </a:p>
@@ -3850,7 +3854,7 @@
         <p:spPr>
           <a:xfrm>
             <a:off x="899592" y="2348880"/>
-            <a:ext cx="6984776" cy="1200329"/>
+            <a:ext cx="6984776" cy="2862322"/>
           </a:xfrm>
           <a:prstGeom prst="rect">
             <a:avLst/>
@@ -3886,39 +3890,25 @@
             </a:r>
             <a:r>
               <a:rPr lang="en-US" altLang="zh-CN" dirty="0"/>
-              <a:t>= new XMLHttpRequest();</a:t>
-            </a:r>
-          </a:p>
-          <a:p>
+              <a:t>= new </a:t>
+            </a:r>
+            <a:r>
+              <a:rPr lang="en-US" altLang="zh-CN" dirty="0" err="1"/>
+              <a:t>XMLHttpRequest</a:t>
+            </a:r>
+            <a:r>
+              <a:rPr lang="en-US" altLang="zh-CN" dirty="0" smtClean="0"/>
+              <a:t>();</a:t>
+            </a:r>
+          </a:p>
+          <a:p>
+            <a:r>
+              <a:rPr lang="en-US" altLang="zh-CN" dirty="0" err="1"/>
+              <a:t>myRequest.responseType</a:t>
+            </a:r>
             <a:r>
               <a:rPr lang="en-US" altLang="zh-CN" dirty="0"/>
-              <a:t>myRequest</a:t>
-            </a:r>
-            <a:r>
-              <a:rPr lang="en-US" altLang="zh-CN" dirty="0" smtClean="0"/>
-              <a:t>.open</a:t>
-            </a:r>
-            <a:r>
-              <a:rPr lang="en-US" altLang="zh-CN" dirty="0"/>
-              <a:t>('GET', '/path/to/image.png');</a:t>
-            </a:r>
-          </a:p>
-          <a:p>
-            <a:r>
-              <a:rPr lang="en-US" altLang="zh-CN" dirty="0" err="1"/>
-              <a:t>myRequest</a:t>
-            </a:r>
-            <a:r>
-              <a:rPr lang="en-US" altLang="zh-CN" dirty="0" err="1" smtClean="0"/>
-              <a:t>.responseType</a:t>
-            </a:r>
-            <a:r>
-              <a:rPr lang="en-US" altLang="zh-CN" dirty="0" smtClean="0"/>
-              <a:t> </a:t>
-            </a:r>
-            <a:r>
-              <a:rPr lang="en-US" altLang="zh-CN" dirty="0"/>
-              <a:t>= '</a:t>
+              <a:t> = '</a:t>
             </a:r>
             <a:r>
               <a:rPr lang="en-US" altLang="zh-CN" dirty="0">
@@ -3929,14 +3919,102 @@
               <a:t>blob</a:t>
             </a:r>
             <a:r>
-              <a:rPr lang="en-US" altLang="zh-CN" dirty="0" smtClean="0"/>
+              <a:rPr lang="en-US" altLang="zh-CN" dirty="0"/>
               <a:t>';</a:t>
             </a:r>
           </a:p>
           <a:p>
             <a:r>
+              <a:rPr lang="en-US" altLang="zh-CN" dirty="0" err="1"/>
+              <a:t>myRequest.onload</a:t>
+            </a:r>
+            <a:r>
               <a:rPr lang="en-US" altLang="zh-CN" dirty="0"/>
-              <a:t>var blob = new </a:t>
+              <a:t> = </a:t>
+            </a:r>
+            <a:r>
+              <a:rPr lang="en-US" altLang="zh-CN" dirty="0" err="1"/>
+              <a:t>onLoadHandler</a:t>
+            </a:r>
+            <a:r>
+              <a:rPr lang="en-US" altLang="zh-CN" dirty="0"/>
+              <a:t>;</a:t>
+            </a:r>
+          </a:p>
+          <a:p>
+            <a:endParaRPr lang="en-US" altLang="zh-CN" dirty="0"/>
+          </a:p>
+          <a:p>
+            <a:r>
+              <a:rPr lang="en-US" altLang="zh-CN" dirty="0"/>
+              <a:t>myRequest</a:t>
+            </a:r>
+            <a:r>
+              <a:rPr lang="en-US" altLang="zh-CN" dirty="0" smtClean="0"/>
+              <a:t>.open</a:t>
+            </a:r>
+            <a:r>
+              <a:rPr lang="en-US" altLang="zh-CN" dirty="0"/>
+              <a:t>('GET', '/</a:t>
+            </a:r>
+            <a:r>
+              <a:rPr lang="en-US" altLang="zh-CN" dirty="0" smtClean="0"/>
+              <a:t>path/to/image.</a:t>
+            </a:r>
+            <a:r>
+              <a:rPr lang="en-US" altLang="zh-CN" dirty="0" err="1" smtClean="0"/>
+              <a:t>png</a:t>
+            </a:r>
+            <a:r>
+              <a:rPr lang="en-US" altLang="zh-CN" dirty="0" smtClean="0"/>
+              <a:t>‘,true</a:t>
+            </a:r>
+            <a:r>
+              <a:rPr lang="en-US" altLang="zh-CN" dirty="0" smtClean="0"/>
+              <a:t>);</a:t>
+            </a:r>
+          </a:p>
+          <a:p>
+            <a:endParaRPr lang="en-US" altLang="zh-CN" dirty="0"/>
+          </a:p>
+          <a:p>
+            <a:r>
+              <a:rPr lang="en-US" altLang="zh-CN" dirty="0" err="1"/>
+              <a:t>var</a:t>
+            </a:r>
+            <a:r>
+              <a:rPr lang="en-US" altLang="zh-CN" dirty="0"/>
+              <a:t> </a:t>
+            </a:r>
+            <a:r>
+              <a:rPr lang="en-US" altLang="zh-CN" dirty="0" err="1"/>
+              <a:t>onLoadHandler</a:t>
+            </a:r>
+            <a:r>
+              <a:rPr lang="en-US" altLang="zh-CN" dirty="0"/>
+              <a:t> = function(event){</a:t>
+            </a:r>
+          </a:p>
+          <a:p>
+            <a:r>
+              <a:rPr lang="en-US" altLang="zh-CN" dirty="0"/>
+              <a:t> </a:t>
+            </a:r>
+            <a:r>
+              <a:rPr lang="en-US" altLang="zh-CN" dirty="0" smtClean="0"/>
+              <a:t>  </a:t>
+            </a:r>
+            <a:r>
+              <a:rPr lang="en-US" altLang="zh-CN" dirty="0" err="1" smtClean="0"/>
+              <a:t>var</a:t>
+            </a:r>
+            <a:r>
+              <a:rPr lang="en-US" altLang="zh-CN" dirty="0" smtClean="0"/>
+              <a:t> </a:t>
+            </a:r>
+            <a:r>
+              <a:rPr lang="en-US" altLang="zh-CN" dirty="0"/>
+              <a:t>blob = new </a:t>
             </a:r>
             <a:r>
               <a:rPr lang="en-US" altLang="zh-CN" dirty="0">
@@ -3947,20 +4025,40 @@
               <a:t>Blob</a:t>
             </a:r>
             <a:r>
-              <a:rPr lang="en-US" altLang="zh-CN" dirty="0" smtClean="0"/>
+              <a:rPr lang="en-US" altLang="zh-CN" dirty="0"/>
               <a:t>([</a:t>
             </a:r>
             <a:r>
+              <a:rPr lang="en-US" altLang="zh-CN" dirty="0" err="1" smtClean="0"/>
+              <a:t>event.target.response</a:t>
+            </a:r>
+            <a:r>
+              <a:rPr lang="en-US" altLang="zh-CN" dirty="0"/>
+              <a:t>], {type: 'image/</a:t>
+            </a:r>
+            <a:r>
               <a:rPr lang="en-US" altLang="zh-CN" dirty="0" err="1"/>
-              <a:t>myRequest</a:t>
-            </a:r>
-            <a:r>
-              <a:rPr lang="en-US" altLang="zh-CN" dirty="0" err="1" smtClean="0"/>
-              <a:t>.response</a:t>
-            </a:r>
+              <a:t>png</a:t>
+            </a:r>
+            <a:r>
+              <a:rPr lang="en-US" altLang="zh-CN" dirty="0" smtClean="0"/>
+              <a:t>'});</a:t>
+            </a:r>
+          </a:p>
+          <a:p>
             <a:r>
               <a:rPr lang="en-US" altLang="zh-CN" dirty="0"/>
-              <a:t>], {type: 'image/png'});</a:t>
+              <a:t> </a:t>
+            </a:r>
+            <a:r>
+              <a:rPr lang="en-US" altLang="zh-CN" dirty="0" smtClean="0"/>
+              <a:t>  …</a:t>
+            </a:r>
+          </a:p>
+          <a:p>
+            <a:r>
+              <a:rPr lang="en-US" altLang="zh-CN" dirty="0"/>
+              <a:t>}</a:t>
             </a:r>
           </a:p>
         </p:txBody>
@@ -4056,7 +4154,7 @@
         </p:nvSpPr>
         <p:spPr>
           <a:xfrm>
-            <a:off x="899592" y="2329479"/>
+            <a:off x="755576" y="2329479"/>
             <a:ext cx="6264696" cy="1754326"/>
           </a:xfrm>
           <a:prstGeom prst="rect">
@@ -4084,8 +4182,16 @@
           <a:lstStyle/>
           <a:p>
             <a:r>
-              <a:rPr lang="en-US" altLang="zh-CN" dirty="0" err="1"/>
-              <a:t>myRequest</a:t>
+              <a:rPr lang="en-US" altLang="zh-CN" dirty="0" err="1" smtClean="0"/>
+              <a:t>myRequest.</a:t>
+            </a:r>
+            <a:r>
+              <a:rPr lang="en-US" altLang="zh-CN" dirty="0" err="1" smtClean="0">
+                <a:solidFill>
+                  <a:srgbClr val="FF0000"/>
+                </a:solidFill>
+              </a:rPr>
+              <a:t>upload</a:t>
             </a:r>
             <a:r>
               <a:rPr lang="en-US" altLang="zh-CN" dirty="0" err="1" smtClean="0"/>
@@ -4529,7 +4635,7 @@
             </a:pPr>
             <a:r>
               <a:rPr lang="en-US" altLang="zh-CN" sz="3200" dirty="0" smtClean="0"/>
-              <a:t>Allow the data to be retrieved from or posted to server without full page refresh</a:t>
+              <a:t>Allow the data to be retrieved from or post to server without full page refreshing</a:t>
             </a:r>
           </a:p>
           <a:p>
@@ -5740,7 +5846,7 @@
         <p:spPr>
           <a:xfrm>
             <a:off x="899592" y="2348880"/>
-            <a:ext cx="3283587" cy="369332"/>
+            <a:ext cx="3283587" cy="646331"/>
           </a:xfrm>
           <a:prstGeom prst="rect">
             <a:avLst/>
@@ -5772,7 +5878,21 @@
             </a:r>
             <a:r>
               <a:rPr lang="en-US" altLang="zh-CN" dirty="0"/>
-              <a:t>= 3000;</a:t>
+              <a:t>= 3000</a:t>
+            </a:r>
+            <a:r>
+              <a:rPr lang="en-US" altLang="zh-CN" dirty="0" smtClean="0"/>
+              <a:t>;</a:t>
+            </a:r>
+          </a:p>
+          <a:p>
+            <a:r>
+              <a:rPr lang="en-US" altLang="zh-CN" dirty="0" err="1" smtClean="0"/>
+              <a:t>myRequest.timeout</a:t>
+            </a:r>
+            <a:r>
+              <a:rPr lang="en-US" altLang="zh-CN" dirty="0" smtClean="0"/>
+              <a:t> = function(){}</a:t>
             </a:r>
             <a:endParaRPr lang="zh-CN" altLang="en-US" dirty="0"/>
           </a:p>
@@ -6037,6 +6157,220 @@
         <p:spPr>
           <a:xfrm>
             <a:off x="971600" y="2348880"/>
+            <a:ext cx="5904656" cy="1477328"/>
+          </a:xfrm>
+          <a:prstGeom prst="rect">
+            <a:avLst/>
+          </a:prstGeom>
+        </p:spPr>
+        <p:style>
+          <a:lnRef idx="2">
+            <a:schemeClr val="accent1"/>
+          </a:lnRef>
+          <a:fillRef idx="1">
+            <a:schemeClr val="lt1"/>
+          </a:fillRef>
+          <a:effectRef idx="0">
+            <a:schemeClr val="accent1"/>
+          </a:effectRef>
+          <a:fontRef idx="minor">
+            <a:schemeClr val="dk1"/>
+          </a:fontRef>
+        </p:style>
+        <p:txBody>
+          <a:bodyPr wrap="square">
+            <a:spAutoFit/>
+          </a:bodyPr>
+          <a:lstStyle/>
+          <a:p>
+            <a:r>
+              <a:rPr lang="en-US" altLang="zh-CN" dirty="0" err="1" smtClean="0"/>
+              <a:t>var</a:t>
+            </a:r>
+            <a:r>
+              <a:rPr lang="en-US" altLang="zh-CN" dirty="0" smtClean="0"/>
+              <a:t> $file = $(‘</a:t>
+            </a:r>
+            <a:r>
+              <a:rPr lang="en-US" altLang="zh-CN" dirty="0"/>
+              <a:t>input[type="file</a:t>
+            </a:r>
+            <a:r>
+              <a:rPr lang="en-US" altLang="zh-CN" dirty="0" smtClean="0"/>
+              <a:t>"]’)</a:t>
+            </a:r>
+          </a:p>
+          <a:p>
+            <a:r>
+              <a:rPr lang="en-US" altLang="zh-CN" dirty="0" err="1" smtClean="0"/>
+              <a:t>var</a:t>
+            </a:r>
+            <a:r>
+              <a:rPr lang="en-US" altLang="zh-CN" dirty="0" smtClean="0"/>
+              <a:t> </a:t>
+            </a:r>
+            <a:r>
+              <a:rPr lang="en-US" altLang="zh-CN" dirty="0" smtClean="0">
+                <a:solidFill>
+                  <a:srgbClr val="FF0000"/>
+                </a:solidFill>
+              </a:rPr>
+              <a:t>files</a:t>
+            </a:r>
+            <a:r>
+              <a:rPr lang="en-US" altLang="zh-CN" dirty="0" smtClean="0"/>
+              <a:t> = $</a:t>
+            </a:r>
+            <a:r>
+              <a:rPr lang="en-US" altLang="zh-CN" dirty="0" err="1" smtClean="0"/>
+              <a:t>file.get</a:t>
+            </a:r>
+            <a:r>
+              <a:rPr lang="en-US" altLang="zh-CN" dirty="0" smtClean="0"/>
+              <a:t>(0).</a:t>
+            </a:r>
+            <a:r>
+              <a:rPr lang="en-US" altLang="zh-CN" dirty="0" smtClean="0">
+                <a:solidFill>
+                  <a:srgbClr val="FF0000"/>
+                </a:solidFill>
+              </a:rPr>
+              <a:t>files</a:t>
+            </a:r>
+            <a:r>
+              <a:rPr lang="en-US" altLang="zh-CN" dirty="0" smtClean="0"/>
+              <a:t>; </a:t>
+            </a:r>
+            <a:r>
+              <a:rPr lang="en-US" altLang="zh-CN" dirty="0" smtClean="0">
+                <a:solidFill>
+                  <a:schemeClr val="bg1">
+                    <a:lumMod val="75000"/>
+                  </a:schemeClr>
+                </a:solidFill>
+              </a:rPr>
+              <a:t>//</a:t>
+            </a:r>
+            <a:r>
+              <a:rPr lang="en-US" altLang="zh-CN" dirty="0" err="1" smtClean="0">
+                <a:solidFill>
+                  <a:schemeClr val="bg1">
+                    <a:lumMod val="75000"/>
+                  </a:schemeClr>
+                </a:solidFill>
+              </a:rPr>
+              <a:t>FileList</a:t>
+            </a:r>
+            <a:endParaRPr lang="en-US" altLang="zh-CN" dirty="0" smtClean="0">
+              <a:solidFill>
+                <a:schemeClr val="bg1">
+                  <a:lumMod val="75000"/>
+                </a:schemeClr>
+              </a:solidFill>
+            </a:endParaRPr>
+          </a:p>
+          <a:p>
+            <a:r>
+              <a:rPr lang="en-US" altLang="zh-CN" dirty="0" smtClean="0"/>
+              <a:t>var </a:t>
+            </a:r>
+            <a:r>
+              <a:rPr lang="en-US" altLang="zh-CN" dirty="0"/>
+              <a:t>formData = new </a:t>
+            </a:r>
+            <a:r>
+              <a:rPr lang="en-US" altLang="zh-CN" dirty="0" err="1">
+                <a:solidFill>
+                  <a:srgbClr val="FF0000"/>
+                </a:solidFill>
+              </a:rPr>
+              <a:t>FormData</a:t>
+            </a:r>
+            <a:r>
+              <a:rPr lang="en-US" altLang="zh-CN" dirty="0" smtClean="0"/>
+              <a:t>();</a:t>
+            </a:r>
+          </a:p>
+          <a:p>
+            <a:r>
+              <a:rPr lang="en-US" altLang="zh-CN" dirty="0" err="1" smtClean="0"/>
+              <a:t>formData.</a:t>
+            </a:r>
+            <a:r>
+              <a:rPr lang="en-US" altLang="zh-CN" dirty="0" err="1" smtClean="0">
+                <a:solidFill>
+                  <a:srgbClr val="FF0000"/>
+                </a:solidFill>
+              </a:rPr>
+              <a:t>append</a:t>
+            </a:r>
+            <a:r>
+              <a:rPr lang="en-US" altLang="zh-CN" dirty="0" smtClean="0"/>
+              <a:t>(‘</a:t>
+            </a:r>
+            <a:r>
+              <a:rPr lang="en-US" altLang="zh-CN" dirty="0" err="1" smtClean="0">
+                <a:solidFill>
+                  <a:schemeClr val="tx1"/>
+                </a:solidFill>
+              </a:rPr>
+              <a:t>some_key</a:t>
+            </a:r>
+            <a:r>
+              <a:rPr lang="en-US" altLang="zh-CN" dirty="0" smtClean="0"/>
+              <a:t>', </a:t>
+            </a:r>
+            <a:r>
+              <a:rPr lang="en-US" altLang="zh-CN" dirty="0" smtClean="0">
+                <a:solidFill>
+                  <a:srgbClr val="FF0000"/>
+                </a:solidFill>
+              </a:rPr>
+              <a:t>files</a:t>
+            </a:r>
+            <a:r>
+              <a:rPr lang="en-US" altLang="zh-CN" dirty="0" smtClean="0"/>
+              <a:t>[0]);</a:t>
+            </a:r>
+            <a:endParaRPr lang="en-US" altLang="zh-CN" dirty="0"/>
+          </a:p>
+          <a:p>
+            <a:r>
+              <a:rPr lang="en-US" altLang="zh-CN" dirty="0" err="1" smtClean="0"/>
+              <a:t>myRequest.</a:t>
+            </a:r>
+            <a:r>
+              <a:rPr lang="en-US" altLang="zh-CN" dirty="0" err="1" smtClean="0">
+                <a:solidFill>
+                  <a:srgbClr val="FF0000"/>
+                </a:solidFill>
+              </a:rPr>
+              <a:t>send</a:t>
+            </a:r>
+            <a:r>
+              <a:rPr lang="en-US" altLang="zh-CN" dirty="0" smtClean="0"/>
+              <a:t>(</a:t>
+            </a:r>
+            <a:r>
+              <a:rPr lang="en-US" altLang="zh-CN" dirty="0" err="1" smtClean="0"/>
+              <a:t>formData</a:t>
+            </a:r>
+            <a:r>
+              <a:rPr lang="en-US" altLang="zh-CN" dirty="0"/>
+              <a:t>);</a:t>
+            </a:r>
+          </a:p>
+        </p:txBody>
+      </p:sp>
+      <p:sp>
+        <p:nvSpPr>
+          <p:cNvPr id="5" name="矩形 4"/>
+          <p:cNvSpPr/>
+          <p:nvPr/>
+        </p:nvSpPr>
+        <p:spPr>
+          <a:xfrm>
+            <a:off x="971600" y="4365104"/>
             <a:ext cx="5904656" cy="1754326"/>
           </a:xfrm>
           <a:prstGeom prst="rect">
@@ -6064,166 +6398,6 @@
           <a:lstStyle/>
           <a:p>
             <a:r>
-              <a:rPr lang="en-US" altLang="zh-CN" dirty="0" smtClean="0"/>
-              <a:t>var files = $(‘</a:t>
-            </a:r>
-            <a:r>
-              <a:rPr lang="en-US" altLang="zh-CN" dirty="0"/>
-              <a:t>input[type="file</a:t>
-            </a:r>
-            <a:r>
-              <a:rPr lang="en-US" altLang="zh-CN" dirty="0" smtClean="0"/>
-              <a:t>"]’)</a:t>
-            </a:r>
-          </a:p>
-          <a:p>
-            <a:r>
-              <a:rPr lang="en-US" altLang="zh-CN" dirty="0" smtClean="0"/>
-              <a:t>var </a:t>
-            </a:r>
-            <a:r>
-              <a:rPr lang="en-US" altLang="zh-CN" dirty="0"/>
-              <a:t>formData = new </a:t>
-            </a:r>
-            <a:r>
-              <a:rPr lang="en-US" altLang="zh-CN" dirty="0">
-                <a:solidFill>
-                  <a:srgbClr val="FF0000"/>
-                </a:solidFill>
-              </a:rPr>
-              <a:t>FormData</a:t>
-            </a:r>
-            <a:r>
-              <a:rPr lang="en-US" altLang="zh-CN" dirty="0"/>
-              <a:t>();</a:t>
-            </a:r>
-          </a:p>
-          <a:p>
-            <a:r>
-              <a:rPr lang="en-US" altLang="zh-CN" dirty="0" smtClean="0"/>
-              <a:t>for </a:t>
-            </a:r>
-            <a:r>
-              <a:rPr lang="en-US" altLang="zh-CN" dirty="0"/>
-              <a:t>(var </a:t>
-            </a:r>
-            <a:r>
-              <a:rPr lang="en-US" altLang="zh-CN" dirty="0" err="1"/>
-              <a:t>i</a:t>
-            </a:r>
-            <a:r>
-              <a:rPr lang="en-US" altLang="zh-CN" dirty="0"/>
-              <a:t> = 0; </a:t>
-            </a:r>
-            <a:r>
-              <a:rPr lang="en-US" altLang="zh-CN" dirty="0" err="1"/>
-              <a:t>i</a:t>
-            </a:r>
-            <a:r>
-              <a:rPr lang="en-US" altLang="zh-CN" dirty="0"/>
-              <a:t> &lt; </a:t>
-            </a:r>
-            <a:r>
-              <a:rPr lang="en-US" altLang="zh-CN" dirty="0" err="1"/>
-              <a:t>files.length;i</a:t>
-            </a:r>
-            <a:r>
-              <a:rPr lang="en-US" altLang="zh-CN" dirty="0"/>
-              <a:t>++) {</a:t>
-            </a:r>
-          </a:p>
-          <a:p>
-            <a:r>
-              <a:rPr lang="zh-CN" altLang="en-US" dirty="0"/>
-              <a:t>　</a:t>
-            </a:r>
-            <a:r>
-              <a:rPr lang="en-US" altLang="zh-CN" dirty="0" smtClean="0"/>
-              <a:t>formData.append</a:t>
-            </a:r>
-            <a:r>
-              <a:rPr lang="en-US" altLang="zh-CN" dirty="0"/>
-              <a:t>('</a:t>
-            </a:r>
-            <a:r>
-              <a:rPr lang="en-US" altLang="zh-CN" dirty="0">
-                <a:solidFill>
-                  <a:schemeClr val="tx1"/>
-                </a:solidFill>
-              </a:rPr>
-              <a:t>files[]</a:t>
-            </a:r>
-            <a:r>
-              <a:rPr lang="en-US" altLang="zh-CN" dirty="0"/>
-              <a:t>', files[</a:t>
-            </a:r>
-            <a:r>
-              <a:rPr lang="en-US" altLang="zh-CN" dirty="0" err="1"/>
-              <a:t>i</a:t>
-            </a:r>
-            <a:r>
-              <a:rPr lang="en-US" altLang="zh-CN" dirty="0"/>
-              <a:t>]);</a:t>
-            </a:r>
-          </a:p>
-          <a:p>
-            <a:r>
-              <a:rPr lang="en-US" altLang="zh-CN" dirty="0" smtClean="0"/>
-              <a:t>}</a:t>
-            </a:r>
-          </a:p>
-          <a:p>
-            <a:r>
-              <a:rPr lang="en-US" altLang="zh-CN" dirty="0"/>
-              <a:t>myRequest</a:t>
-            </a:r>
-            <a:r>
-              <a:rPr lang="en-US" altLang="zh-CN" dirty="0" smtClean="0"/>
-              <a:t>.send(formData</a:t>
-            </a:r>
-            <a:r>
-              <a:rPr lang="en-US" altLang="zh-CN" dirty="0"/>
-              <a:t>);</a:t>
-            </a:r>
-          </a:p>
-        </p:txBody>
-      </p:sp>
-      <p:sp>
-        <p:nvSpPr>
-          <p:cNvPr id="5" name="矩形 4"/>
-          <p:cNvSpPr/>
-          <p:nvPr/>
-        </p:nvSpPr>
-        <p:spPr>
-          <a:xfrm>
-            <a:off x="971600" y="4365104"/>
-            <a:ext cx="5904656" cy="1477328"/>
-          </a:xfrm>
-          <a:prstGeom prst="rect">
-            <a:avLst/>
-          </a:prstGeom>
-        </p:spPr>
-        <p:style>
-          <a:lnRef idx="2">
-            <a:schemeClr val="accent1"/>
-          </a:lnRef>
-          <a:fillRef idx="1">
-            <a:schemeClr val="lt1"/>
-          </a:fillRef>
-          <a:effectRef idx="0">
-            <a:schemeClr val="accent1"/>
-          </a:effectRef>
-          <a:fontRef idx="minor">
-            <a:schemeClr val="dk1"/>
-          </a:fontRef>
-        </p:style>
-        <p:txBody>
-          <a:bodyPr wrap="square">
-            <a:spAutoFit/>
-          </a:bodyPr>
-          <a:lstStyle/>
-          <a:p>
-            <a:r>
               <a:rPr lang="en-US" altLang="zh-CN" dirty="0">
                 <a:solidFill>
                   <a:schemeClr val="bg1">
@@ -6246,30 +6420,97 @@
           </a:p>
           <a:p>
             <a:r>
+              <a:rPr lang="en-US" altLang="zh-CN" dirty="0" err="1"/>
+              <a:t>var</a:t>
+            </a:r>
+            <a:r>
               <a:rPr lang="en-US" altLang="zh-CN" dirty="0"/>
-              <a:t>var </a:t>
-            </a:r>
-            <a:r>
-              <a:rPr lang="en-US" altLang="zh-CN" dirty="0" smtClean="0"/>
-              <a:t>file </a:t>
+              <a:t> $file = $(‘input[type="file</a:t>
+            </a:r>
+            <a:r>
+              <a:rPr lang="en-US" altLang="zh-CN" dirty="0" smtClean="0"/>
+              <a:t>"]’)</a:t>
+            </a:r>
+          </a:p>
+          <a:p>
+            <a:r>
+              <a:rPr lang="en-US" altLang="zh-CN" dirty="0" err="1"/>
+              <a:t>var</a:t>
             </a:r>
             <a:r>
               <a:rPr lang="en-US" altLang="zh-CN" dirty="0"/>
-              <a:t>= $(‘</a:t>
+              <a:t> </a:t>
+            </a:r>
+            <a:r>
+              <a:rPr lang="en-US" altLang="zh-CN" dirty="0">
+                <a:solidFill>
+                  <a:srgbClr val="FF0000"/>
+                </a:solidFill>
+              </a:rPr>
+              <a:t>files</a:t>
+            </a:r>
+            <a:r>
+              <a:rPr lang="en-US" altLang="zh-CN" dirty="0"/>
+              <a:t> = $</a:t>
             </a:r>
             <a:r>
               <a:rPr lang="en-US" altLang="zh-CN" dirty="0" err="1" smtClean="0"/>
-              <a:t>input#file</a:t>
-            </a:r>
-            <a:r>
-              <a:rPr lang="en-US" altLang="zh-CN" dirty="0" smtClean="0"/>
-              <a:t>’)</a:t>
-            </a:r>
-          </a:p>
-          <a:p>
-            <a:r>
-              <a:rPr lang="en-US" altLang="zh-CN" dirty="0" smtClean="0"/>
-              <a:t>var </a:t>
+              <a:t>file</a:t>
+            </a:r>
+            <a:r>
+              <a:rPr lang="en-US" altLang="zh-CN" dirty="0" err="1"/>
+              <a:t>.get</a:t>
+            </a:r>
+            <a:r>
+              <a:rPr lang="en-US" altLang="zh-CN" dirty="0"/>
+              <a:t>(0)</a:t>
+            </a:r>
+            <a:r>
+              <a:rPr lang="en-US" altLang="zh-CN" dirty="0" smtClean="0"/>
+              <a:t>.</a:t>
+            </a:r>
+            <a:r>
+              <a:rPr lang="en-US" altLang="zh-CN" dirty="0">
+                <a:solidFill>
+                  <a:srgbClr val="FF0000"/>
+                </a:solidFill>
+              </a:rPr>
+              <a:t>files</a:t>
+            </a:r>
+            <a:r>
+              <a:rPr lang="en-US" altLang="zh-CN" dirty="0" smtClean="0"/>
+              <a:t>; </a:t>
+            </a:r>
+            <a:r>
+              <a:rPr lang="en-US" altLang="zh-CN" dirty="0">
+                <a:solidFill>
+                  <a:schemeClr val="bg1">
+                    <a:lumMod val="75000"/>
+                  </a:schemeClr>
+                </a:solidFill>
+              </a:rPr>
+              <a:t>//</a:t>
+            </a:r>
+            <a:r>
+              <a:rPr lang="en-US" altLang="zh-CN" dirty="0" err="1" smtClean="0">
+                <a:solidFill>
+                  <a:schemeClr val="bg1">
+                    <a:lumMod val="75000"/>
+                  </a:schemeClr>
+                </a:solidFill>
+              </a:rPr>
+              <a:t>FileList</a:t>
+            </a:r>
+            <a:endParaRPr lang="en-US" altLang="zh-CN" dirty="0"/>
+          </a:p>
+          <a:p>
+            <a:r>
+              <a:rPr lang="en-US" altLang="zh-CN" dirty="0" err="1" smtClean="0"/>
+              <a:t>var</a:t>
+            </a:r>
+            <a:r>
+              <a:rPr lang="en-US" altLang="zh-CN" dirty="0" smtClean="0"/>
+              <a:t> </a:t>
             </a:r>
             <a:r>
               <a:rPr lang="en-US" altLang="zh-CN" dirty="0">
@@ -6284,11 +6525,19 @@
               <a:t> = </a:t>
             </a:r>
             <a:r>
-              <a:rPr lang="en-US" altLang="zh-CN" dirty="0" err="1"/>
-              <a:t>file.</a:t>
-            </a:r>
-            <a:r>
-              <a:rPr lang="en-US" altLang="zh-CN" dirty="0" err="1">
+              <a:rPr lang="en-US" altLang="zh-CN" dirty="0" smtClean="0">
+                <a:solidFill>
+                  <a:srgbClr val="FF0000"/>
+                </a:solidFill>
+              </a:rPr>
+              <a:t>files[0]</a:t>
+            </a:r>
+            <a:r>
+              <a:rPr lang="en-US" altLang="zh-CN" dirty="0" smtClean="0"/>
+              <a:t>.</a:t>
+            </a:r>
+            <a:r>
+              <a:rPr lang="en-US" altLang="zh-CN" dirty="0" smtClean="0">
                 <a:solidFill>
                   <a:srgbClr val="FF0000"/>
                 </a:solidFill>
@@ -6296,8 +6545,12 @@
               <a:t>slice</a:t>
             </a:r>
             <a:r>
+              <a:rPr lang="en-US" altLang="zh-CN" dirty="0" smtClean="0"/>
+              <a:t>(start</a:t>
+            </a:r>
+            <a:r>
               <a:rPr lang="en-US" altLang="zh-CN" dirty="0"/>
-              <a:t>(start, </a:t>
+              <a:t>, </a:t>
             </a:r>
             <a:r>
               <a:rPr lang="en-US" altLang="zh-CN" dirty="0" smtClean="0"/>
@@ -6319,14 +6572,50 @@
             </a:r>
             <a:r>
               <a:rPr lang="en-US" altLang="zh-CN" dirty="0"/>
-              <a:t>formData = new FormData(); </a:t>
+              <a:t>formData = new </a:t>
+            </a:r>
+            <a:r>
+              <a:rPr lang="en-US" altLang="zh-CN" dirty="0">
+                <a:solidFill>
+                  <a:srgbClr val="FF0000"/>
+                </a:solidFill>
+              </a:rPr>
+              <a:t>FormData</a:t>
+            </a:r>
+            <a:r>
+              <a:rPr lang="en-US" altLang="zh-CN" dirty="0"/>
+              <a:t>(); </a:t>
             </a:r>
             <a:endParaRPr lang="en-US" altLang="zh-CN" dirty="0" smtClean="0"/>
           </a:p>
           <a:p>
             <a:r>
-              <a:rPr lang="en-US" altLang="zh-CN" dirty="0" smtClean="0"/>
-              <a:t>formData.append(file.name</a:t>
+              <a:rPr lang="en-US" altLang="zh-CN" dirty="0" err="1" smtClean="0"/>
+              <a:t>formData.append</a:t>
+            </a:r>
+            <a:r>
+              <a:rPr lang="en-US" altLang="zh-CN" dirty="0" smtClean="0"/>
+              <a:t>(</a:t>
+            </a:r>
+            <a:r>
+              <a:rPr lang="en-US" altLang="zh-CN" dirty="0">
+                <a:solidFill>
+                  <a:srgbClr val="FF0000"/>
+                </a:solidFill>
+              </a:rPr>
+              <a:t>files[0</a:t>
+            </a:r>
+            <a:r>
+              <a:rPr lang="en-US" altLang="zh-CN" dirty="0" smtClean="0">
+                <a:solidFill>
+                  <a:srgbClr val="FF0000"/>
+                </a:solidFill>
+              </a:rPr>
+              <a:t>].</a:t>
+            </a:r>
+            <a:r>
+              <a:rPr lang="en-US" altLang="zh-CN" dirty="0" smtClean="0"/>
+              <a:t>name</a:t>
             </a:r>
             <a:r>
               <a:rPr lang="en-US" altLang="zh-CN" dirty="0"/>
